--- a/youyun/优云项目.pptx
+++ b/youyun/优云项目.pptx
@@ -515,10 +515,10 @@
               <a:rPr lang="zh-CN" altLang="en-US" dirty="0"/>
               <a:t>不显示内容</a:t>
             </a:r>
-            <a:endParaRPr lang="en-US" altLang="zh-CN"/>
-          </a:p>
-          <a:p>
-            <a:endParaRPr lang="zh-CN" altLang="en-US"/>
+            <a:endParaRPr lang="en-US" altLang="zh-CN" dirty="0"/>
+          </a:p>
+          <a:p>
+            <a:endParaRPr lang="zh-CN" altLang="en-US" dirty="0"/>
           </a:p>
         </p:txBody>
       </p:sp>
@@ -549,6 +549,258 @@
     <p:extLst>
       <p:ext uri="{BB962C8B-B14F-4D97-AF65-F5344CB8AC3E}">
         <p14:creationId xmlns:p14="http://schemas.microsoft.com/office/powerpoint/2010/main" val="945130190"/>
+      </p:ext>
+    </p:extLst>
+  </p:cSld>
+  <p:clrMapOvr>
+    <a:masterClrMapping/>
+  </p:clrMapOvr>
+</p:notes>
+</file>
+
+<file path=ppt/notesSlides/notesSlide2.xml><?xml version="1.0" encoding="utf-8"?>
+<p:notes xmlns:a="http://schemas.openxmlformats.org/drawingml/2006/main" xmlns:r="http://schemas.openxmlformats.org/officeDocument/2006/relationships" xmlns:p="http://schemas.openxmlformats.org/presentationml/2006/main">
+  <p:cSld>
+    <p:spTree>
+      <p:nvGrpSpPr>
+        <p:cNvPr id="1" name=""/>
+        <p:cNvGrpSpPr/>
+        <p:nvPr/>
+      </p:nvGrpSpPr>
+      <p:grpSpPr>
+        <a:xfrm>
+          <a:off x="0" y="0"/>
+          <a:ext cx="0" cy="0"/>
+          <a:chOff x="0" y="0"/>
+          <a:chExt cx="0" cy="0"/>
+        </a:xfrm>
+      </p:grpSpPr>
+      <p:sp>
+        <p:nvSpPr>
+          <p:cNvPr id="2" name="幻灯片图像占位符 1"/>
+          <p:cNvSpPr>
+            <a:spLocks noGrp="1" noRot="1" noChangeAspect="1"/>
+          </p:cNvSpPr>
+          <p:nvPr>
+            <p:ph type="sldImg"/>
+          </p:nvPr>
+        </p:nvSpPr>
+        <p:spPr/>
+      </p:sp>
+      <p:sp>
+        <p:nvSpPr>
+          <p:cNvPr id="3" name="备注占位符 2"/>
+          <p:cNvSpPr>
+            <a:spLocks noGrp="1"/>
+          </p:cNvSpPr>
+          <p:nvPr>
+            <p:ph type="body" idx="1"/>
+          </p:nvPr>
+        </p:nvSpPr>
+        <p:spPr/>
+        <p:txBody>
+          <a:bodyPr/>
+          <a:lstStyle/>
+          <a:p>
+            <a:endParaRPr lang="zh-CN" altLang="en-US"/>
+          </a:p>
+        </p:txBody>
+      </p:sp>
+      <p:sp>
+        <p:nvSpPr>
+          <p:cNvPr id="4" name="灯片编号占位符 3"/>
+          <p:cNvSpPr>
+            <a:spLocks noGrp="1"/>
+          </p:cNvSpPr>
+          <p:nvPr>
+            <p:ph type="sldNum" sz="quarter" idx="10"/>
+          </p:nvPr>
+        </p:nvSpPr>
+        <p:spPr/>
+        <p:txBody>
+          <a:bodyPr/>
+          <a:lstStyle/>
+          <a:p>
+            <a:fld id="{3F99D1F6-9BE2-431A-93F8-21E7C4D3864F}" type="slidenum">
+              <a:rPr lang="zh-CN" altLang="en-US" smtClean="0"/>
+              <a:t>2</a:t>
+            </a:fld>
+            <a:endParaRPr lang="zh-CN" altLang="en-US"/>
+          </a:p>
+        </p:txBody>
+      </p:sp>
+    </p:spTree>
+    <p:extLst>
+      <p:ext uri="{BB962C8B-B14F-4D97-AF65-F5344CB8AC3E}">
+        <p14:creationId xmlns:p14="http://schemas.microsoft.com/office/powerpoint/2010/main" val="3624597768"/>
+      </p:ext>
+    </p:extLst>
+  </p:cSld>
+  <p:clrMapOvr>
+    <a:masterClrMapping/>
+  </p:clrMapOvr>
+</p:notes>
+</file>
+
+<file path=ppt/notesSlides/notesSlide3.xml><?xml version="1.0" encoding="utf-8"?>
+<p:notes xmlns:a="http://schemas.openxmlformats.org/drawingml/2006/main" xmlns:r="http://schemas.openxmlformats.org/officeDocument/2006/relationships" xmlns:p="http://schemas.openxmlformats.org/presentationml/2006/main">
+  <p:cSld>
+    <p:spTree>
+      <p:nvGrpSpPr>
+        <p:cNvPr id="1" name=""/>
+        <p:cNvGrpSpPr/>
+        <p:nvPr/>
+      </p:nvGrpSpPr>
+      <p:grpSpPr>
+        <a:xfrm>
+          <a:off x="0" y="0"/>
+          <a:ext cx="0" cy="0"/>
+          <a:chOff x="0" y="0"/>
+          <a:chExt cx="0" cy="0"/>
+        </a:xfrm>
+      </p:grpSpPr>
+      <p:sp>
+        <p:nvSpPr>
+          <p:cNvPr id="2" name="幻灯片图像占位符 1"/>
+          <p:cNvSpPr>
+            <a:spLocks noGrp="1" noRot="1" noChangeAspect="1"/>
+          </p:cNvSpPr>
+          <p:nvPr>
+            <p:ph type="sldImg"/>
+          </p:nvPr>
+        </p:nvSpPr>
+        <p:spPr/>
+      </p:sp>
+      <p:sp>
+        <p:nvSpPr>
+          <p:cNvPr id="3" name="备注占位符 2"/>
+          <p:cNvSpPr>
+            <a:spLocks noGrp="1"/>
+          </p:cNvSpPr>
+          <p:nvPr>
+            <p:ph type="body" idx="1"/>
+          </p:nvPr>
+        </p:nvSpPr>
+        <p:spPr/>
+        <p:txBody>
+          <a:bodyPr/>
+          <a:lstStyle/>
+          <a:p>
+            <a:endParaRPr lang="zh-CN" altLang="en-US"/>
+          </a:p>
+        </p:txBody>
+      </p:sp>
+      <p:sp>
+        <p:nvSpPr>
+          <p:cNvPr id="4" name="灯片编号占位符 3"/>
+          <p:cNvSpPr>
+            <a:spLocks noGrp="1"/>
+          </p:cNvSpPr>
+          <p:nvPr>
+            <p:ph type="sldNum" sz="quarter" idx="10"/>
+          </p:nvPr>
+        </p:nvSpPr>
+        <p:spPr/>
+        <p:txBody>
+          <a:bodyPr/>
+          <a:lstStyle/>
+          <a:p>
+            <a:fld id="{3F99D1F6-9BE2-431A-93F8-21E7C4D3864F}" type="slidenum">
+              <a:rPr lang="zh-CN" altLang="en-US" smtClean="0"/>
+              <a:t>3</a:t>
+            </a:fld>
+            <a:endParaRPr lang="zh-CN" altLang="en-US"/>
+          </a:p>
+        </p:txBody>
+      </p:sp>
+    </p:spTree>
+    <p:extLst>
+      <p:ext uri="{BB962C8B-B14F-4D97-AF65-F5344CB8AC3E}">
+        <p14:creationId xmlns:p14="http://schemas.microsoft.com/office/powerpoint/2010/main" val="1442984474"/>
+      </p:ext>
+    </p:extLst>
+  </p:cSld>
+  <p:clrMapOvr>
+    <a:masterClrMapping/>
+  </p:clrMapOvr>
+</p:notes>
+</file>
+
+<file path=ppt/notesSlides/notesSlide4.xml><?xml version="1.0" encoding="utf-8"?>
+<p:notes xmlns:a="http://schemas.openxmlformats.org/drawingml/2006/main" xmlns:r="http://schemas.openxmlformats.org/officeDocument/2006/relationships" xmlns:p="http://schemas.openxmlformats.org/presentationml/2006/main">
+  <p:cSld>
+    <p:spTree>
+      <p:nvGrpSpPr>
+        <p:cNvPr id="1" name=""/>
+        <p:cNvGrpSpPr/>
+        <p:nvPr/>
+      </p:nvGrpSpPr>
+      <p:grpSpPr>
+        <a:xfrm>
+          <a:off x="0" y="0"/>
+          <a:ext cx="0" cy="0"/>
+          <a:chOff x="0" y="0"/>
+          <a:chExt cx="0" cy="0"/>
+        </a:xfrm>
+      </p:grpSpPr>
+      <p:sp>
+        <p:nvSpPr>
+          <p:cNvPr id="2" name="幻灯片图像占位符 1"/>
+          <p:cNvSpPr>
+            <a:spLocks noGrp="1" noRot="1" noChangeAspect="1"/>
+          </p:cNvSpPr>
+          <p:nvPr>
+            <p:ph type="sldImg"/>
+          </p:nvPr>
+        </p:nvSpPr>
+        <p:spPr/>
+      </p:sp>
+      <p:sp>
+        <p:nvSpPr>
+          <p:cNvPr id="3" name="备注占位符 2"/>
+          <p:cNvSpPr>
+            <a:spLocks noGrp="1"/>
+          </p:cNvSpPr>
+          <p:nvPr>
+            <p:ph type="body" idx="1"/>
+          </p:nvPr>
+        </p:nvSpPr>
+        <p:spPr/>
+        <p:txBody>
+          <a:bodyPr/>
+          <a:lstStyle/>
+          <a:p>
+            <a:endParaRPr lang="zh-CN" altLang="en-US"/>
+          </a:p>
+        </p:txBody>
+      </p:sp>
+      <p:sp>
+        <p:nvSpPr>
+          <p:cNvPr id="4" name="灯片编号占位符 3"/>
+          <p:cNvSpPr>
+            <a:spLocks noGrp="1"/>
+          </p:cNvSpPr>
+          <p:nvPr>
+            <p:ph type="sldNum" sz="quarter" idx="10"/>
+          </p:nvPr>
+        </p:nvSpPr>
+        <p:spPr/>
+        <p:txBody>
+          <a:bodyPr/>
+          <a:lstStyle/>
+          <a:p>
+            <a:fld id="{3F99D1F6-9BE2-431A-93F8-21E7C4D3864F}" type="slidenum">
+              <a:rPr lang="zh-CN" altLang="en-US" smtClean="0"/>
+              <a:t>4</a:t>
+            </a:fld>
+            <a:endParaRPr lang="zh-CN" altLang="en-US"/>
+          </a:p>
+        </p:txBody>
+      </p:sp>
+    </p:spTree>
+    <p:extLst>
+      <p:ext uri="{BB962C8B-B14F-4D97-AF65-F5344CB8AC3E}">
+        <p14:creationId xmlns:p14="http://schemas.microsoft.com/office/powerpoint/2010/main" val="1571541445"/>
       </p:ext>
     </p:extLst>
   </p:cSld>
@@ -3483,7 +3735,11 @@
           <a:bodyPr/>
           <a:lstStyle/>
           <a:p>
-            <a:endParaRPr lang="zh-CN" altLang="en-US"/>
+            <a:r>
+              <a:rPr lang="en-US" altLang="zh-CN" dirty="0"/>
+              <a:t>123</a:t>
+            </a:r>
+            <a:endParaRPr lang="zh-CN" altLang="en-US" dirty="0"/>
           </a:p>
         </p:txBody>
       </p:sp>
@@ -3502,7 +3758,7 @@
           <a:bodyPr/>
           <a:lstStyle/>
           <a:p>
-            <a:endParaRPr lang="zh-CN" altLang="en-US"/>
+            <a:endParaRPr lang="zh-CN" altLang="en-US" dirty="0"/>
           </a:p>
         </p:txBody>
       </p:sp>
